--- a/Calendario2024/Presentaciones/3_ModeloOSI.pptx
+++ b/Calendario2024/Presentaciones/3_ModeloOSI.pptx
@@ -251,7 +251,7 @@
           <a:p>
             <a:fld id="{2D445F07-8756-451B-A938-0248325FC7BB}" type="datetimeFigureOut">
               <a:rPr lang="es-MX" smtClean="0"/>
-              <a:t>13/02/2024</a:t>
+              <a:t>13/05/2024</a:t>
             </a:fld>
             <a:endParaRPr lang="es-MX" dirty="0"/>
           </a:p>
@@ -3820,7 +3820,7 @@
           <a:p>
             <a:fld id="{5E75A0DC-66C6-4CEC-A5EB-F8C97CEC3796}" type="datetimeFigureOut">
               <a:rPr lang="es-MX" smtClean="0"/>
-              <a:t>13/02/2024</a:t>
+              <a:t>13/05/2024</a:t>
             </a:fld>
             <a:endParaRPr lang="es-MX" dirty="0"/>
           </a:p>
@@ -3990,7 +3990,7 @@
           <a:p>
             <a:fld id="{5E75A0DC-66C6-4CEC-A5EB-F8C97CEC3796}" type="datetimeFigureOut">
               <a:rPr lang="es-MX" smtClean="0"/>
-              <a:t>13/02/2024</a:t>
+              <a:t>13/05/2024</a:t>
             </a:fld>
             <a:endParaRPr lang="es-MX" dirty="0"/>
           </a:p>
@@ -4170,7 +4170,7 @@
           <a:p>
             <a:fld id="{5E75A0DC-66C6-4CEC-A5EB-F8C97CEC3796}" type="datetimeFigureOut">
               <a:rPr lang="es-MX" smtClean="0"/>
-              <a:t>13/02/2024</a:t>
+              <a:t>13/05/2024</a:t>
             </a:fld>
             <a:endParaRPr lang="es-MX" dirty="0"/>
           </a:p>
@@ -4645,7 +4645,7 @@
           <a:p>
             <a:fld id="{5E75A0DC-66C6-4CEC-A5EB-F8C97CEC3796}" type="datetimeFigureOut">
               <a:rPr lang="es-MX" smtClean="0"/>
-              <a:t>13/02/2024</a:t>
+              <a:t>13/05/2024</a:t>
             </a:fld>
             <a:endParaRPr lang="es-MX" dirty="0"/>
           </a:p>
@@ -4891,7 +4891,7 @@
           <a:p>
             <a:fld id="{5E75A0DC-66C6-4CEC-A5EB-F8C97CEC3796}" type="datetimeFigureOut">
               <a:rPr lang="es-MX" smtClean="0"/>
-              <a:t>13/02/2024</a:t>
+              <a:t>13/05/2024</a:t>
             </a:fld>
             <a:endParaRPr lang="es-MX" dirty="0"/>
           </a:p>
@@ -5179,7 +5179,7 @@
           <a:p>
             <a:fld id="{5E75A0DC-66C6-4CEC-A5EB-F8C97CEC3796}" type="datetimeFigureOut">
               <a:rPr lang="es-MX" smtClean="0"/>
-              <a:t>13/02/2024</a:t>
+              <a:t>13/05/2024</a:t>
             </a:fld>
             <a:endParaRPr lang="es-MX" dirty="0"/>
           </a:p>
@@ -5601,7 +5601,7 @@
           <a:p>
             <a:fld id="{5E75A0DC-66C6-4CEC-A5EB-F8C97CEC3796}" type="datetimeFigureOut">
               <a:rPr lang="es-MX" smtClean="0"/>
-              <a:t>13/02/2024</a:t>
+              <a:t>13/05/2024</a:t>
             </a:fld>
             <a:endParaRPr lang="es-MX" dirty="0"/>
           </a:p>
@@ -5719,7 +5719,7 @@
           <a:p>
             <a:fld id="{5E75A0DC-66C6-4CEC-A5EB-F8C97CEC3796}" type="datetimeFigureOut">
               <a:rPr lang="es-MX" smtClean="0"/>
-              <a:t>13/02/2024</a:t>
+              <a:t>13/05/2024</a:t>
             </a:fld>
             <a:endParaRPr lang="es-MX" dirty="0"/>
           </a:p>
@@ -5814,7 +5814,7 @@
           <a:p>
             <a:fld id="{5E75A0DC-66C6-4CEC-A5EB-F8C97CEC3796}" type="datetimeFigureOut">
               <a:rPr lang="es-MX" smtClean="0"/>
-              <a:t>13/02/2024</a:t>
+              <a:t>13/05/2024</a:t>
             </a:fld>
             <a:endParaRPr lang="es-MX" dirty="0"/>
           </a:p>
@@ -6091,7 +6091,7 @@
           <a:p>
             <a:fld id="{5E75A0DC-66C6-4CEC-A5EB-F8C97CEC3796}" type="datetimeFigureOut">
               <a:rPr lang="es-MX" smtClean="0"/>
-              <a:t>13/02/2024</a:t>
+              <a:t>13/05/2024</a:t>
             </a:fld>
             <a:endParaRPr lang="es-MX" dirty="0"/>
           </a:p>
@@ -6344,7 +6344,7 @@
           <a:p>
             <a:fld id="{5E75A0DC-66C6-4CEC-A5EB-F8C97CEC3796}" type="datetimeFigureOut">
               <a:rPr lang="es-MX" smtClean="0"/>
-              <a:t>13/02/2024</a:t>
+              <a:t>13/05/2024</a:t>
             </a:fld>
             <a:endParaRPr lang="es-MX" dirty="0"/>
           </a:p>
@@ -6557,7 +6557,7 @@
           <a:p>
             <a:fld id="{5E75A0DC-66C6-4CEC-A5EB-F8C97CEC3796}" type="datetimeFigureOut">
               <a:rPr lang="es-MX" smtClean="0"/>
-              <a:t>13/02/2024</a:t>
+              <a:t>13/05/2024</a:t>
             </a:fld>
             <a:endParaRPr lang="es-MX" dirty="0"/>
           </a:p>
@@ -15942,7 +15942,7 @@
               <a:rPr lang="es-MX" sz="1600" dirty="0">
                 <a:latin typeface="ZapfHumnst BT"/>
               </a:rPr>
-              <a:t>Exploradores web</a:t>
+              <a:t>Navegadores de web</a:t>
             </a:r>
           </a:p>
           <a:p>
@@ -18093,7 +18093,7 @@
         <p:spPr bwMode="auto">
           <a:xfrm>
             <a:off x="2774446" y="3944162"/>
-            <a:ext cx="3071813" cy="1338263"/>
+            <a:ext cx="3071813" cy="1162113"/>
           </a:xfrm>
           <a:prstGeom prst="rect">
             <a:avLst/>
@@ -18231,7 +18231,7 @@
               </a:lnSpc>
             </a:pPr>
             <a:r>
-              <a:rPr lang="es-MX" sz="1800" dirty="0">
+              <a:rPr lang="es-MX" sz="1600" dirty="0">
                 <a:solidFill>
                   <a:schemeClr val="bg2">
                     <a:lumMod val="25000"/>
@@ -18251,7 +18251,7 @@
               <a:buChar char="ü"/>
             </a:pPr>
             <a:r>
-              <a:rPr lang="es-MX" sz="1800" dirty="0">
+              <a:rPr lang="es-MX" sz="1600" dirty="0">
                 <a:solidFill>
                   <a:schemeClr val="bg2">
                     <a:lumMod val="25000"/>
@@ -18271,7 +18271,7 @@
               <a:buChar char="ü"/>
             </a:pPr>
             <a:r>
-              <a:rPr lang="es-MX" sz="1800" dirty="0">
+              <a:rPr lang="es-MX" sz="1600" dirty="0">
                 <a:solidFill>
                   <a:schemeClr val="bg2">
                     <a:lumMod val="25000"/>
